--- a/docs/diagrams/ModelComponentClassBetterOopDiagram.pptx
+++ b/docs/diagrams/ModelComponentClassBetterOopDiagram.pptx
@@ -208,7 +208,7 @@
           <a:p>
             <a:fld id="{F5CC4B3F-88C1-4FFA-B1B6-F41C21DC6924}" type="datetimeFigureOut">
               <a:rPr lang="en-US" smtClean="0"/>
-              <a:t>12/5/2018</a:t>
+              <a:t>4/5/19</a:t>
             </a:fld>
             <a:endParaRPr lang="en-US"/>
           </a:p>
@@ -654,7 +654,7 @@
           <a:p>
             <a:fld id="{78C97017-6FC3-485B-9764-EAC9E56C1D49}" type="datetimeFigureOut">
               <a:rPr lang="en-US" smtClean="0"/>
-              <a:t>12/5/2018</a:t>
+              <a:t>4/5/19</a:t>
             </a:fld>
             <a:endParaRPr lang="en-US"/>
           </a:p>
@@ -822,7 +822,7 @@
           <a:p>
             <a:fld id="{78C97017-6FC3-485B-9764-EAC9E56C1D49}" type="datetimeFigureOut">
               <a:rPr lang="en-US" smtClean="0"/>
-              <a:t>12/5/2018</a:t>
+              <a:t>4/5/19</a:t>
             </a:fld>
             <a:endParaRPr lang="en-US"/>
           </a:p>
@@ -1000,7 +1000,7 @@
           <a:p>
             <a:fld id="{78C97017-6FC3-485B-9764-EAC9E56C1D49}" type="datetimeFigureOut">
               <a:rPr lang="en-US" smtClean="0"/>
-              <a:t>12/5/2018</a:t>
+              <a:t>4/5/19</a:t>
             </a:fld>
             <a:endParaRPr lang="en-US"/>
           </a:p>
@@ -1168,7 +1168,7 @@
           <a:p>
             <a:fld id="{78C97017-6FC3-485B-9764-EAC9E56C1D49}" type="datetimeFigureOut">
               <a:rPr lang="en-US" smtClean="0"/>
-              <a:t>12/5/2018</a:t>
+              <a:t>4/5/19</a:t>
             </a:fld>
             <a:endParaRPr lang="en-US"/>
           </a:p>
@@ -1413,7 +1413,7 @@
           <a:p>
             <a:fld id="{78C97017-6FC3-485B-9764-EAC9E56C1D49}" type="datetimeFigureOut">
               <a:rPr lang="en-US" smtClean="0"/>
-              <a:t>12/5/2018</a:t>
+              <a:t>4/5/19</a:t>
             </a:fld>
             <a:endParaRPr lang="en-US"/>
           </a:p>
@@ -1698,7 +1698,7 @@
           <a:p>
             <a:fld id="{78C97017-6FC3-485B-9764-EAC9E56C1D49}" type="datetimeFigureOut">
               <a:rPr lang="en-US" smtClean="0"/>
-              <a:t>12/5/2018</a:t>
+              <a:t>4/5/19</a:t>
             </a:fld>
             <a:endParaRPr lang="en-US"/>
           </a:p>
@@ -2117,7 +2117,7 @@
           <a:p>
             <a:fld id="{78C97017-6FC3-485B-9764-EAC9E56C1D49}" type="datetimeFigureOut">
               <a:rPr lang="en-US" smtClean="0"/>
-              <a:t>12/5/2018</a:t>
+              <a:t>4/5/19</a:t>
             </a:fld>
             <a:endParaRPr lang="en-US"/>
           </a:p>
@@ -2234,7 +2234,7 @@
           <a:p>
             <a:fld id="{78C97017-6FC3-485B-9764-EAC9E56C1D49}" type="datetimeFigureOut">
               <a:rPr lang="en-US" smtClean="0"/>
-              <a:t>12/5/2018</a:t>
+              <a:t>4/5/19</a:t>
             </a:fld>
             <a:endParaRPr lang="en-US"/>
           </a:p>
@@ -2329,7 +2329,7 @@
           <a:p>
             <a:fld id="{78C97017-6FC3-485B-9764-EAC9E56C1D49}" type="datetimeFigureOut">
               <a:rPr lang="en-US" smtClean="0"/>
-              <a:t>12/5/2018</a:t>
+              <a:t>4/5/19</a:t>
             </a:fld>
             <a:endParaRPr lang="en-US"/>
           </a:p>
@@ -2604,7 +2604,7 @@
           <a:p>
             <a:fld id="{78C97017-6FC3-485B-9764-EAC9E56C1D49}" type="datetimeFigureOut">
               <a:rPr lang="en-US" smtClean="0"/>
-              <a:t>12/5/2018</a:t>
+              <a:t>4/5/19</a:t>
             </a:fld>
             <a:endParaRPr lang="en-US"/>
           </a:p>
@@ -2856,7 +2856,7 @@
           <a:p>
             <a:fld id="{78C97017-6FC3-485B-9764-EAC9E56C1D49}" type="datetimeFigureOut">
               <a:rPr lang="en-US" smtClean="0"/>
-              <a:t>12/5/2018</a:t>
+              <a:t>4/5/19</a:t>
             </a:fld>
             <a:endParaRPr lang="en-US"/>
           </a:p>
@@ -3067,7 +3067,7 @@
           <a:p>
             <a:fld id="{78C97017-6FC3-485B-9764-EAC9E56C1D49}" type="datetimeFigureOut">
               <a:rPr lang="en-US" smtClean="0"/>
-              <a:t>12/5/2018</a:t>
+              <a:t>4/5/19</a:t>
             </a:fld>
             <a:endParaRPr lang="en-US"/>
           </a:p>
@@ -4780,6 +4780,116 @@
           <a:prstGeom prst="bentConnector3">
             <a:avLst>
               <a:gd name="adj1" fmla="val 50000"/>
+            </a:avLst>
+          </a:prstGeom>
+          <a:ln w="19050">
+            <a:solidFill>
+              <a:srgbClr val="7030A0"/>
+            </a:solidFill>
+            <a:headEnd type="none" w="med" len="med"/>
+            <a:tailEnd type="arrow" w="med" len="med"/>
+          </a:ln>
+          <a:effectLst/>
+        </p:spPr>
+        <p:style>
+          <a:lnRef idx="1">
+            <a:schemeClr val="accent2"/>
+          </a:lnRef>
+          <a:fillRef idx="2">
+            <a:schemeClr val="accent2"/>
+          </a:fillRef>
+          <a:effectRef idx="1">
+            <a:schemeClr val="accent2"/>
+          </a:effectRef>
+          <a:fontRef idx="minor">
+            <a:schemeClr val="dk1"/>
+          </a:fontRef>
+        </p:style>
+      </p:cxnSp>
+      <p:sp>
+        <p:nvSpPr>
+          <p:cNvPr id="31" name="Rectangle 8">
+            <a:extLst>
+              <a:ext uri="{FF2B5EF4-FFF2-40B4-BE49-F238E27FC236}">
+                <a16:creationId xmlns:a16="http://schemas.microsoft.com/office/drawing/2014/main" id="{035E493F-C334-194D-9A93-169FABBBF0A4}"/>
+              </a:ext>
+            </a:extLst>
+          </p:cNvPr>
+          <p:cNvSpPr/>
+          <p:nvPr/>
+        </p:nvSpPr>
+        <p:spPr>
+          <a:xfrm>
+            <a:off x="6683214" y="4345858"/>
+            <a:ext cx="708186" cy="285783"/>
+          </a:xfrm>
+          <a:prstGeom prst="rect">
+            <a:avLst/>
+          </a:prstGeom>
+          <a:ln w="19050">
+            <a:solidFill>
+              <a:srgbClr val="7030A0"/>
+            </a:solidFill>
+          </a:ln>
+          <a:effectLst/>
+        </p:spPr>
+        <p:style>
+          <a:lnRef idx="1">
+            <a:schemeClr val="accent4"/>
+          </a:lnRef>
+          <a:fillRef idx="2">
+            <a:schemeClr val="accent4"/>
+          </a:fillRef>
+          <a:effectRef idx="1">
+            <a:schemeClr val="accent4"/>
+          </a:effectRef>
+          <a:fontRef idx="minor">
+            <a:schemeClr val="dk1"/>
+          </a:fontRef>
+        </p:style>
+        <p:txBody>
+          <a:bodyPr rtlCol="0" anchor="ctr"/>
+          <a:lstStyle/>
+          <a:p>
+            <a:pPr algn="ctr"/>
+            <a:r>
+              <a:rPr lang="en-US" sz="1050" dirty="0">
+                <a:solidFill>
+                  <a:srgbClr val="7030A0"/>
+                </a:solidFill>
+              </a:rPr>
+              <a:t>Photo</a:t>
+            </a:r>
+            <a:endParaRPr lang="en-SG" sz="1050" dirty="0">
+              <a:solidFill>
+                <a:srgbClr val="7030A0"/>
+              </a:solidFill>
+            </a:endParaRPr>
+          </a:p>
+        </p:txBody>
+      </p:sp>
+      <p:cxnSp>
+        <p:nvCxnSpPr>
+          <p:cNvPr id="82" name="Elbow Connector 81">
+            <a:extLst>
+              <a:ext uri="{FF2B5EF4-FFF2-40B4-BE49-F238E27FC236}">
+                <a16:creationId xmlns:a16="http://schemas.microsoft.com/office/drawing/2014/main" id="{DA8690C6-C270-E74A-8F3A-9F86FC5B0B52}"/>
+              </a:ext>
+            </a:extLst>
+          </p:cNvPr>
+          <p:cNvCxnSpPr>
+            <a:cxnSpLocks/>
+          </p:cNvCxnSpPr>
+          <p:nvPr/>
+        </p:nvCxnSpPr>
+        <p:spPr>
+          <a:xfrm>
+            <a:off x="6458712" y="4114800"/>
+            <a:ext cx="246888" cy="347472"/>
+          </a:xfrm>
+          <a:prstGeom prst="bentConnector3">
+            <a:avLst>
+              <a:gd name="adj1" fmla="val 1850"/>
             </a:avLst>
           </a:prstGeom>
           <a:ln w="19050">
